--- a/doc/tex/lib/m_qam_transmitter/figures_raw/MQAM_transmitter_block_diagram_simple.pptx
+++ b/doc/tex/lib/m_qam_transmitter/figures_raw/MQAM_transmitter_block_diagram_simple.pptx
@@ -104,11 +104,12 @@
       </a:defRPr>
     </a:lvl9pPr>
   </p:defaultTextStyle>
+  <p:extLst>
+    <p:ext uri="{EFAFB233-063F-42B5-8137-9DF3F51BA10A}">
+      <p15:sldGuideLst xmlns:p15="http://schemas.microsoft.com/office/powerpoint/2012/main"/>
+    </p:ext>
+  </p:extLst>
 </p:presentation>
-</file>
-
-<file path=ppt/revisionInfo.xml><?xml version="1.0" encoding="utf-8"?>
-<p1510:revInfo xmlns:a="http://schemas.openxmlformats.org/drawingml/2006/main" xmlns:r="http://schemas.openxmlformats.org/officeDocument/2006/relationships" xmlns:p1510="http://schemas.microsoft.com/office/powerpoint/2015/10/main"/>
 </file>
 
 <file path=ppt/slideLayouts/slideLayout1.xml><?xml version="1.0" encoding="utf-8"?>
@@ -258,7 +259,7 @@
           <a:p>
             <a:fld id="{1AD4E38D-B544-4A62-A031-9FD2192EDFA5}" type="datetimeFigureOut">
               <a:rPr lang="pt-PT" smtClean="0"/>
-              <a:t>10-12-2017</a:t>
+              <a:t>02/04/2019</a:t>
             </a:fld>
             <a:endParaRPr lang="pt-PT"/>
           </a:p>
@@ -456,7 +457,7 @@
           <a:p>
             <a:fld id="{1AD4E38D-B544-4A62-A031-9FD2192EDFA5}" type="datetimeFigureOut">
               <a:rPr lang="pt-PT" smtClean="0"/>
-              <a:t>10-12-2017</a:t>
+              <a:t>02/04/2019</a:t>
             </a:fld>
             <a:endParaRPr lang="pt-PT"/>
           </a:p>
@@ -664,7 +665,7 @@
           <a:p>
             <a:fld id="{1AD4E38D-B544-4A62-A031-9FD2192EDFA5}" type="datetimeFigureOut">
               <a:rPr lang="pt-PT" smtClean="0"/>
-              <a:t>10-12-2017</a:t>
+              <a:t>02/04/2019</a:t>
             </a:fld>
             <a:endParaRPr lang="pt-PT"/>
           </a:p>
@@ -862,7 +863,7 @@
           <a:p>
             <a:fld id="{1AD4E38D-B544-4A62-A031-9FD2192EDFA5}" type="datetimeFigureOut">
               <a:rPr lang="pt-PT" smtClean="0"/>
-              <a:t>10-12-2017</a:t>
+              <a:t>02/04/2019</a:t>
             </a:fld>
             <a:endParaRPr lang="pt-PT"/>
           </a:p>
@@ -1137,7 +1138,7 @@
           <a:p>
             <a:fld id="{1AD4E38D-B544-4A62-A031-9FD2192EDFA5}" type="datetimeFigureOut">
               <a:rPr lang="pt-PT" smtClean="0"/>
-              <a:t>10-12-2017</a:t>
+              <a:t>02/04/2019</a:t>
             </a:fld>
             <a:endParaRPr lang="pt-PT"/>
           </a:p>
@@ -1402,7 +1403,7 @@
           <a:p>
             <a:fld id="{1AD4E38D-B544-4A62-A031-9FD2192EDFA5}" type="datetimeFigureOut">
               <a:rPr lang="pt-PT" smtClean="0"/>
-              <a:t>10-12-2017</a:t>
+              <a:t>02/04/2019</a:t>
             </a:fld>
             <a:endParaRPr lang="pt-PT"/>
           </a:p>
@@ -1814,7 +1815,7 @@
           <a:p>
             <a:fld id="{1AD4E38D-B544-4A62-A031-9FD2192EDFA5}" type="datetimeFigureOut">
               <a:rPr lang="pt-PT" smtClean="0"/>
-              <a:t>10-12-2017</a:t>
+              <a:t>02/04/2019</a:t>
             </a:fld>
             <a:endParaRPr lang="pt-PT"/>
           </a:p>
@@ -1955,7 +1956,7 @@
           <a:p>
             <a:fld id="{1AD4E38D-B544-4A62-A031-9FD2192EDFA5}" type="datetimeFigureOut">
               <a:rPr lang="pt-PT" smtClean="0"/>
-              <a:t>10-12-2017</a:t>
+              <a:t>02/04/2019</a:t>
             </a:fld>
             <a:endParaRPr lang="pt-PT"/>
           </a:p>
@@ -2068,7 +2069,7 @@
           <a:p>
             <a:fld id="{1AD4E38D-B544-4A62-A031-9FD2192EDFA5}" type="datetimeFigureOut">
               <a:rPr lang="pt-PT" smtClean="0"/>
-              <a:t>10-12-2017</a:t>
+              <a:t>02/04/2019</a:t>
             </a:fld>
             <a:endParaRPr lang="pt-PT"/>
           </a:p>
@@ -2379,7 +2380,7 @@
           <a:p>
             <a:fld id="{1AD4E38D-B544-4A62-A031-9FD2192EDFA5}" type="datetimeFigureOut">
               <a:rPr lang="pt-PT" smtClean="0"/>
-              <a:t>10-12-2017</a:t>
+              <a:t>02/04/2019</a:t>
             </a:fld>
             <a:endParaRPr lang="pt-PT"/>
           </a:p>
@@ -2667,7 +2668,7 @@
           <a:p>
             <a:fld id="{1AD4E38D-B544-4A62-A031-9FD2192EDFA5}" type="datetimeFigureOut">
               <a:rPr lang="pt-PT" smtClean="0"/>
-              <a:t>10-12-2017</a:t>
+              <a:t>02/04/2019</a:t>
             </a:fld>
             <a:endParaRPr lang="pt-PT"/>
           </a:p>
@@ -2908,7 +2909,7 @@
           <a:p>
             <a:fld id="{1AD4E38D-B544-4A62-A031-9FD2192EDFA5}" type="datetimeFigureOut">
               <a:rPr lang="pt-PT" smtClean="0"/>
-              <a:t>10-12-2017</a:t>
+              <a:t>02/04/2019</a:t>
             </a:fld>
             <a:endParaRPr lang="pt-PT"/>
           </a:p>
@@ -3325,274 +3326,347 @@
           <a:chExt cx="0" cy="0"/>
         </a:xfrm>
       </p:grpSpPr>
-      <p:grpSp>
-        <p:nvGrpSpPr>
-          <p:cNvPr id="4" name="Grupo 3">
-            <a:extLst>
-              <a:ext uri="{FF2B5EF4-FFF2-40B4-BE49-F238E27FC236}">
-                <a16:creationId xmlns:a16="http://schemas.microsoft.com/office/drawing/2014/main" id="{72CD8826-C4D5-4CEF-B116-4C8BD0019B84}"/>
-              </a:ext>
-            </a:extLst>
-          </p:cNvPr>
-          <p:cNvGrpSpPr/>
+      <p:sp>
+        <p:nvSpPr>
+          <p:cNvPr id="5" name="Rectangle 3">
+            <a:extLst>
+              <a:ext uri="{FF2B5EF4-FFF2-40B4-BE49-F238E27FC236}">
+                <a16:creationId xmlns:a16="http://schemas.microsoft.com/office/drawing/2014/main" id="{2668CB07-F78B-4187-8EEA-CDF408EB35E2}"/>
+              </a:ext>
+            </a:extLst>
+          </p:cNvPr>
+          <p:cNvSpPr/>
           <p:nvPr/>
-        </p:nvGrpSpPr>
-        <p:grpSpPr>
+        </p:nvSpPr>
+        <p:spPr>
           <a:xfrm>
             <a:off x="3343591" y="2833826"/>
-            <a:ext cx="5879923" cy="1190347"/>
-            <a:chOff x="4284495" y="2427496"/>
-            <a:chExt cx="5879923" cy="1190347"/>
+            <a:ext cx="2169314" cy="1190347"/>
           </a:xfrm>
-        </p:grpSpPr>
-        <p:sp>
-          <p:nvSpPr>
-            <p:cNvPr id="5" name="Rectangle 3">
-              <a:extLst>
-                <a:ext uri="{FF2B5EF4-FFF2-40B4-BE49-F238E27FC236}">
-                  <a16:creationId xmlns:a16="http://schemas.microsoft.com/office/drawing/2014/main" id="{2668CB07-F78B-4187-8EEA-CDF408EB35E2}"/>
-                </a:ext>
-              </a:extLst>
-            </p:cNvPr>
-            <p:cNvSpPr/>
-            <p:nvPr/>
-          </p:nvSpPr>
-          <p:spPr>
-            <a:xfrm>
-              <a:off x="4284495" y="2427496"/>
-              <a:ext cx="2169314" cy="1190347"/>
-            </a:xfrm>
-            <a:prstGeom prst="rect">
-              <a:avLst/>
-            </a:prstGeom>
-            <a:noFill/>
-            <a:ln w="25400">
-              <a:solidFill>
-                <a:schemeClr val="tx1"/>
-              </a:solidFill>
-            </a:ln>
-          </p:spPr>
-          <p:style>
-            <a:lnRef idx="2">
-              <a:schemeClr val="accent1">
-                <a:shade val="50000"/>
-              </a:schemeClr>
-            </a:lnRef>
-            <a:fillRef idx="1">
-              <a:schemeClr val="accent1"/>
-            </a:fillRef>
-            <a:effectRef idx="0">
-              <a:schemeClr val="accent1"/>
-            </a:effectRef>
-            <a:fontRef idx="minor">
-              <a:schemeClr val="lt1"/>
-            </a:fontRef>
-          </p:style>
-          <p:txBody>
-            <a:bodyPr rtlCol="0" anchor="ctr"/>
-            <a:lstStyle/>
-            <a:p>
-              <a:pPr algn="ctr"/>
-              <a:r>
-                <a:rPr lang="pt-PT" dirty="0">
-                  <a:solidFill>
-                    <a:schemeClr val="tx1"/>
-                  </a:solidFill>
-                </a:rPr>
-                <a:t>MQAM Transmitter</a:t>
-              </a:r>
-            </a:p>
-          </p:txBody>
-        </p:sp>
-        <p:cxnSp>
-          <p:nvCxnSpPr>
-            <p:cNvPr id="6" name="Conexão reta unidirecional 5">
-              <a:extLst>
-                <a:ext uri="{FF2B5EF4-FFF2-40B4-BE49-F238E27FC236}">
-                  <a16:creationId xmlns:a16="http://schemas.microsoft.com/office/drawing/2014/main" id="{69FDF820-53E5-4911-881D-0B914D26755B}"/>
-                </a:ext>
-              </a:extLst>
-            </p:cNvPr>
-            <p:cNvCxnSpPr/>
-            <p:nvPr/>
-          </p:nvCxnSpPr>
-          <p:spPr>
-            <a:xfrm>
-              <a:off x="6453809" y="2713057"/>
-              <a:ext cx="824745" cy="0"/>
-            </a:xfrm>
-            <a:prstGeom prst="straightConnector1">
-              <a:avLst/>
-            </a:prstGeom>
-            <a:ln w="19050">
-              <a:solidFill>
-                <a:schemeClr val="tx1"/>
-              </a:solidFill>
-              <a:tailEnd type="triangle"/>
-            </a:ln>
-          </p:spPr>
-          <p:style>
-            <a:lnRef idx="1">
-              <a:schemeClr val="accent1"/>
-            </a:lnRef>
-            <a:fillRef idx="0">
-              <a:schemeClr val="accent1"/>
-            </a:fillRef>
-            <a:effectRef idx="0">
-              <a:schemeClr val="accent1"/>
-            </a:effectRef>
-            <a:fontRef idx="minor">
+          <a:prstGeom prst="rect">
+            <a:avLst/>
+          </a:prstGeom>
+          <a:noFill/>
+          <a:ln w="25400">
+            <a:solidFill>
               <a:schemeClr val="tx1"/>
-            </a:fontRef>
-          </p:style>
-        </p:cxnSp>
-        <p:cxnSp>
-          <p:nvCxnSpPr>
-            <p:cNvPr id="7" name="Conexão reta unidirecional 6">
-              <a:extLst>
-                <a:ext uri="{FF2B5EF4-FFF2-40B4-BE49-F238E27FC236}">
-                  <a16:creationId xmlns:a16="http://schemas.microsoft.com/office/drawing/2014/main" id="{FA7B8148-C972-43CB-9B5E-9B959E69668C}"/>
-                </a:ext>
-              </a:extLst>
-            </p:cNvPr>
-            <p:cNvCxnSpPr/>
-            <p:nvPr/>
-          </p:nvCxnSpPr>
-          <p:spPr>
-            <a:xfrm>
-              <a:off x="6453809" y="3388918"/>
-              <a:ext cx="824745" cy="0"/>
-            </a:xfrm>
-            <a:prstGeom prst="straightConnector1">
-              <a:avLst/>
-            </a:prstGeom>
-            <a:ln w="19050">
-              <a:solidFill>
-                <a:schemeClr val="tx1"/>
-              </a:solidFill>
-              <a:tailEnd type="triangle"/>
-            </a:ln>
-          </p:spPr>
-          <p:style>
-            <a:lnRef idx="1">
-              <a:schemeClr val="accent1"/>
-            </a:lnRef>
-            <a:fillRef idx="0">
-              <a:schemeClr val="accent1"/>
-            </a:fillRef>
-            <a:effectRef idx="0">
-              <a:schemeClr val="accent1"/>
-            </a:effectRef>
-            <a:fontRef idx="minor">
+            </a:solidFill>
+          </a:ln>
+        </p:spPr>
+        <p:style>
+          <a:lnRef idx="2">
+            <a:schemeClr val="accent1">
+              <a:shade val="50000"/>
+            </a:schemeClr>
+          </a:lnRef>
+          <a:fillRef idx="1">
+            <a:schemeClr val="accent1"/>
+          </a:fillRef>
+          <a:effectRef idx="0">
+            <a:schemeClr val="accent1"/>
+          </a:effectRef>
+          <a:fontRef idx="minor">
+            <a:schemeClr val="lt1"/>
+          </a:fontRef>
+        </p:style>
+        <p:txBody>
+          <a:bodyPr rtlCol="0" anchor="ctr"/>
+          <a:lstStyle/>
+          <a:p>
+            <a:pPr algn="ctr"/>
+            <a:r>
+              <a:rPr lang="pt-PT" dirty="0">
+                <a:solidFill>
+                  <a:schemeClr val="tx1"/>
+                </a:solidFill>
+              </a:rPr>
+              <a:t>MQAM Transmitter</a:t>
+            </a:r>
+          </a:p>
+        </p:txBody>
+      </p:sp>
+      <p:cxnSp>
+        <p:nvCxnSpPr>
+          <p:cNvPr id="6" name="Conexão reta unidirecional 5">
+            <a:extLst>
+              <a:ext uri="{FF2B5EF4-FFF2-40B4-BE49-F238E27FC236}">
+                <a16:creationId xmlns:a16="http://schemas.microsoft.com/office/drawing/2014/main" id="{69FDF820-53E5-4911-881D-0B914D26755B}"/>
+              </a:ext>
+            </a:extLst>
+          </p:cNvPr>
+          <p:cNvCxnSpPr/>
+          <p:nvPr/>
+        </p:nvCxnSpPr>
+        <p:spPr>
+          <a:xfrm>
+            <a:off x="5512905" y="3119387"/>
+            <a:ext cx="824745" cy="0"/>
+          </a:xfrm>
+          <a:prstGeom prst="straightConnector1">
+            <a:avLst/>
+          </a:prstGeom>
+          <a:ln w="19050">
+            <a:solidFill>
               <a:schemeClr val="tx1"/>
-            </a:fontRef>
-          </p:style>
-        </p:cxnSp>
-        <p:sp>
-          <p:nvSpPr>
-            <p:cNvPr id="8" name="CaixaDeTexto 7">
-              <a:extLst>
-                <a:ext uri="{FF2B5EF4-FFF2-40B4-BE49-F238E27FC236}">
-                  <a16:creationId xmlns:a16="http://schemas.microsoft.com/office/drawing/2014/main" id="{D334C3E7-3495-45C2-8260-CB790B3DF454}"/>
-                </a:ext>
-              </a:extLst>
-            </p:cNvPr>
-            <p:cNvSpPr txBox="1"/>
-            <p:nvPr/>
-          </p:nvSpPr>
-          <p:spPr>
-            <a:xfrm>
-              <a:off x="7159284" y="2528391"/>
-              <a:ext cx="3005134" cy="369332"/>
-            </a:xfrm>
-            <a:prstGeom prst="rect">
-              <a:avLst/>
-            </a:prstGeom>
-            <a:noFill/>
-          </p:spPr>
-          <p:txBody>
-            <a:bodyPr wrap="square" rtlCol="0">
-              <a:spAutoFit/>
-            </a:bodyPr>
-            <a:lstStyle/>
-            <a:p>
-              <a:pPr algn="ctr"/>
-              <a:r>
-                <a:rPr lang="pt-PT" dirty="0"/>
-                <a:t>Output </a:t>
-              </a:r>
-              <a:r>
-                <a:rPr lang="pt-PT" dirty="0" err="1"/>
-                <a:t>signal</a:t>
-              </a:r>
-              <a:r>
-                <a:rPr lang="pt-PT" dirty="0"/>
-                <a:t> 1 (</a:t>
-              </a:r>
-              <a:r>
-                <a:rPr lang="pt-PT" dirty="0" err="1"/>
-                <a:t>Optical</a:t>
-              </a:r>
-              <a:r>
-                <a:rPr lang="pt-PT" dirty="0"/>
-                <a:t>)</a:t>
-              </a:r>
-            </a:p>
-          </p:txBody>
-        </p:sp>
-        <p:sp>
-          <p:nvSpPr>
-            <p:cNvPr id="9" name="CaixaDeTexto 8">
-              <a:extLst>
-                <a:ext uri="{FF2B5EF4-FFF2-40B4-BE49-F238E27FC236}">
-                  <a16:creationId xmlns:a16="http://schemas.microsoft.com/office/drawing/2014/main" id="{939DDC1F-EE38-4B53-924C-339A49783603}"/>
-                </a:ext>
-              </a:extLst>
-            </p:cNvPr>
-            <p:cNvSpPr txBox="1"/>
-            <p:nvPr/>
-          </p:nvSpPr>
-          <p:spPr>
-            <a:xfrm>
-              <a:off x="7400877" y="3204252"/>
-              <a:ext cx="2444492" cy="369332"/>
-            </a:xfrm>
-            <a:prstGeom prst="rect">
-              <a:avLst/>
-            </a:prstGeom>
-            <a:noFill/>
-          </p:spPr>
-          <p:txBody>
-            <a:bodyPr wrap="square" rtlCol="0">
-              <a:spAutoFit/>
-            </a:bodyPr>
-            <a:lstStyle/>
-            <a:p>
-              <a:pPr algn="ctr"/>
-              <a:r>
-                <a:rPr lang="pt-PT" dirty="0"/>
-                <a:t>Output </a:t>
-              </a:r>
-              <a:r>
-                <a:rPr lang="pt-PT" dirty="0" err="1"/>
-                <a:t>signal</a:t>
-              </a:r>
-              <a:r>
-                <a:rPr lang="pt-PT" dirty="0"/>
-                <a:t> 2 (</a:t>
-              </a:r>
-              <a:r>
-                <a:rPr lang="pt-PT" dirty="0" err="1"/>
-                <a:t>Binary</a:t>
-              </a:r>
-              <a:r>
-                <a:rPr lang="pt-PT" dirty="0"/>
-                <a:t>)</a:t>
-              </a:r>
-            </a:p>
-          </p:txBody>
-        </p:sp>
-      </p:grpSp>
+            </a:solidFill>
+            <a:tailEnd type="triangle"/>
+          </a:ln>
+        </p:spPr>
+        <p:style>
+          <a:lnRef idx="1">
+            <a:schemeClr val="accent1"/>
+          </a:lnRef>
+          <a:fillRef idx="0">
+            <a:schemeClr val="accent1"/>
+          </a:fillRef>
+          <a:effectRef idx="0">
+            <a:schemeClr val="accent1"/>
+          </a:effectRef>
+          <a:fontRef idx="minor">
+            <a:schemeClr val="tx1"/>
+          </a:fontRef>
+        </p:style>
+      </p:cxnSp>
+      <p:cxnSp>
+        <p:nvCxnSpPr>
+          <p:cNvPr id="7" name="Conexão reta unidirecional 6">
+            <a:extLst>
+              <a:ext uri="{FF2B5EF4-FFF2-40B4-BE49-F238E27FC236}">
+                <a16:creationId xmlns:a16="http://schemas.microsoft.com/office/drawing/2014/main" id="{FA7B8148-C972-43CB-9B5E-9B959E69668C}"/>
+              </a:ext>
+            </a:extLst>
+          </p:cNvPr>
+          <p:cNvCxnSpPr/>
+          <p:nvPr/>
+        </p:nvCxnSpPr>
+        <p:spPr>
+          <a:xfrm>
+            <a:off x="2518846" y="3104635"/>
+            <a:ext cx="824745" cy="0"/>
+          </a:xfrm>
+          <a:prstGeom prst="straightConnector1">
+            <a:avLst/>
+          </a:prstGeom>
+          <a:ln w="19050">
+            <a:solidFill>
+              <a:schemeClr val="tx1"/>
+            </a:solidFill>
+            <a:tailEnd type="triangle"/>
+          </a:ln>
+        </p:spPr>
+        <p:style>
+          <a:lnRef idx="1">
+            <a:schemeClr val="accent1"/>
+          </a:lnRef>
+          <a:fillRef idx="0">
+            <a:schemeClr val="accent1"/>
+          </a:fillRef>
+          <a:effectRef idx="0">
+            <a:schemeClr val="accent1"/>
+          </a:effectRef>
+          <a:fontRef idx="minor">
+            <a:schemeClr val="tx1"/>
+          </a:fontRef>
+        </p:style>
+      </p:cxnSp>
+      <p:sp>
+        <p:nvSpPr>
+          <p:cNvPr id="8" name="CaixaDeTexto 7">
+            <a:extLst>
+              <a:ext uri="{FF2B5EF4-FFF2-40B4-BE49-F238E27FC236}">
+                <a16:creationId xmlns:a16="http://schemas.microsoft.com/office/drawing/2014/main" id="{D334C3E7-3495-45C2-8260-CB790B3DF454}"/>
+              </a:ext>
+            </a:extLst>
+          </p:cNvPr>
+          <p:cNvSpPr txBox="1"/>
+          <p:nvPr/>
+        </p:nvSpPr>
+        <p:spPr>
+          <a:xfrm>
+            <a:off x="6218380" y="2934721"/>
+            <a:ext cx="3005134" cy="369332"/>
+          </a:xfrm>
+          <a:prstGeom prst="rect">
+            <a:avLst/>
+          </a:prstGeom>
+          <a:noFill/>
+        </p:spPr>
+        <p:txBody>
+          <a:bodyPr wrap="square" rtlCol="0">
+            <a:spAutoFit/>
+          </a:bodyPr>
+          <a:lstStyle/>
+          <a:p>
+            <a:pPr algn="ctr"/>
+            <a:r>
+              <a:rPr lang="pt-PT" dirty="0"/>
+              <a:t>Output </a:t>
+            </a:r>
+            <a:r>
+              <a:rPr lang="pt-PT" dirty="0" err="1"/>
+              <a:t>signal</a:t>
+            </a:r>
+            <a:r>
+              <a:rPr lang="pt-PT" dirty="0"/>
+              <a:t> 1 (</a:t>
+            </a:r>
+            <a:r>
+              <a:rPr lang="pt-PT" dirty="0" err="1"/>
+              <a:t>Optical</a:t>
+            </a:r>
+            <a:r>
+              <a:rPr lang="pt-PT" dirty="0"/>
+              <a:t>)</a:t>
+            </a:r>
+          </a:p>
+        </p:txBody>
+      </p:sp>
+      <p:sp>
+        <p:nvSpPr>
+          <p:cNvPr id="9" name="CaixaDeTexto 8">
+            <a:extLst>
+              <a:ext uri="{FF2B5EF4-FFF2-40B4-BE49-F238E27FC236}">
+                <a16:creationId xmlns:a16="http://schemas.microsoft.com/office/drawing/2014/main" id="{939DDC1F-EE38-4B53-924C-339A49783603}"/>
+              </a:ext>
+            </a:extLst>
+          </p:cNvPr>
+          <p:cNvSpPr txBox="1"/>
+          <p:nvPr/>
+        </p:nvSpPr>
+        <p:spPr>
+          <a:xfrm>
+            <a:off x="74354" y="2881869"/>
+            <a:ext cx="2444492" cy="369332"/>
+          </a:xfrm>
+          <a:prstGeom prst="rect">
+            <a:avLst/>
+          </a:prstGeom>
+          <a:noFill/>
+        </p:spPr>
+        <p:txBody>
+          <a:bodyPr wrap="square" rtlCol="0">
+            <a:spAutoFit/>
+          </a:bodyPr>
+          <a:lstStyle/>
+          <a:p>
+            <a:pPr algn="ctr"/>
+            <a:r>
+              <a:rPr lang="pt-PT" dirty="0"/>
+              <a:t>Input </a:t>
+            </a:r>
+            <a:r>
+              <a:rPr lang="pt-PT" dirty="0" err="1"/>
+              <a:t>signal</a:t>
+            </a:r>
+            <a:r>
+              <a:rPr lang="pt-PT" dirty="0"/>
+              <a:t> 1 (</a:t>
+            </a:r>
+            <a:r>
+              <a:rPr lang="pt-PT" dirty="0" err="1"/>
+              <a:t>Binary</a:t>
+            </a:r>
+            <a:r>
+              <a:rPr lang="pt-PT" dirty="0"/>
+              <a:t>)</a:t>
+            </a:r>
+          </a:p>
+        </p:txBody>
+      </p:sp>
+      <p:cxnSp>
+        <p:nvCxnSpPr>
+          <p:cNvPr id="11" name="Conexão reta unidirecional 10">
+            <a:extLst>
+              <a:ext uri="{FF2B5EF4-FFF2-40B4-BE49-F238E27FC236}">
+                <a16:creationId xmlns:a16="http://schemas.microsoft.com/office/drawing/2014/main" id="{6F9A8108-D01C-4827-9655-0E5BA1FEFE48}"/>
+              </a:ext>
+            </a:extLst>
+          </p:cNvPr>
+          <p:cNvCxnSpPr/>
+          <p:nvPr/>
+        </p:nvCxnSpPr>
+        <p:spPr>
+          <a:xfrm>
+            <a:off x="2518846" y="3752335"/>
+            <a:ext cx="824745" cy="0"/>
+          </a:xfrm>
+          <a:prstGeom prst="straightConnector1">
+            <a:avLst/>
+          </a:prstGeom>
+          <a:ln w="19050">
+            <a:solidFill>
+              <a:schemeClr val="tx1"/>
+            </a:solidFill>
+            <a:tailEnd type="triangle"/>
+          </a:ln>
+        </p:spPr>
+        <p:style>
+          <a:lnRef idx="1">
+            <a:schemeClr val="accent1"/>
+          </a:lnRef>
+          <a:fillRef idx="0">
+            <a:schemeClr val="accent1"/>
+          </a:fillRef>
+          <a:effectRef idx="0">
+            <a:schemeClr val="accent1"/>
+          </a:effectRef>
+          <a:fontRef idx="minor">
+            <a:schemeClr val="tx1"/>
+          </a:fontRef>
+        </p:style>
+      </p:cxnSp>
+      <p:sp>
+        <p:nvSpPr>
+          <p:cNvPr id="12" name="CaixaDeTexto 11">
+            <a:extLst>
+              <a:ext uri="{FF2B5EF4-FFF2-40B4-BE49-F238E27FC236}">
+                <a16:creationId xmlns:a16="http://schemas.microsoft.com/office/drawing/2014/main" id="{A8F11D3A-3389-46AD-8EFE-2C5CD0A01D46}"/>
+              </a:ext>
+            </a:extLst>
+          </p:cNvPr>
+          <p:cNvSpPr txBox="1"/>
+          <p:nvPr/>
+        </p:nvSpPr>
+        <p:spPr>
+          <a:xfrm>
+            <a:off x="-205967" y="3540545"/>
+            <a:ext cx="3005134" cy="369332"/>
+          </a:xfrm>
+          <a:prstGeom prst="rect">
+            <a:avLst/>
+          </a:prstGeom>
+          <a:noFill/>
+        </p:spPr>
+        <p:txBody>
+          <a:bodyPr wrap="square" rtlCol="0">
+            <a:spAutoFit/>
+          </a:bodyPr>
+          <a:lstStyle/>
+          <a:p>
+            <a:pPr algn="ctr"/>
+            <a:r>
+              <a:rPr lang="pt-PT" dirty="0"/>
+              <a:t>Input </a:t>
+            </a:r>
+            <a:r>
+              <a:rPr lang="pt-PT" dirty="0" err="1"/>
+              <a:t>signal</a:t>
+            </a:r>
+            <a:r>
+              <a:rPr lang="pt-PT" dirty="0"/>
+              <a:t> 2 (</a:t>
+            </a:r>
+            <a:r>
+              <a:rPr lang="pt-PT" dirty="0" err="1"/>
+              <a:t>Optical</a:t>
+            </a:r>
+            <a:r>
+              <a:rPr lang="pt-PT" dirty="0"/>
+              <a:t>)</a:t>
+            </a:r>
+          </a:p>
+        </p:txBody>
+      </p:sp>
     </p:spTree>
     <p:extLst>
       <p:ext uri="{BB962C8B-B14F-4D97-AF65-F5344CB8AC3E}">
